--- a/Leveraging AI Strategies and Business Applications.pptx
+++ b/Leveraging AI Strategies and Business Applications.pptx
@@ -3449,6 +3449,7 @@
           </a:bodyPr>
           <a:lstStyle/>
           <a:p>
+            <a:pPr algn="ctr"/>
             <a:r>
               <a:rPr lang="en-US" sz="2400" b="1" i="0" dirty="0">
                 <a:solidFill>
@@ -3529,7 +3530,7 @@
                   <a:srgbClr val="0000FF"/>
                 </a:solidFill>
               </a:rPr>
-              <a:t>Crucial Factors for Success </a:t>
+              <a:t>Humans and AI Crucial Factors for Success </a:t>
             </a:r>
           </a:p>
           <a:p>
@@ -5684,6 +5685,8 @@
               </a:rPr>
               <a:t>Leveraging of AI To Transform Medicare Claims in Healthcare System</a:t>
             </a:r>
+          </a:p>
+          <a:p>
             <a:endParaRPr lang="en-US" dirty="0">
               <a:solidFill>
                 <a:srgbClr val="000000"/>
@@ -5791,10 +5794,8 @@
                 </a:solidFill>
                 <a:latin typeface="+mj-lt"/>
               </a:rPr>
-              <a:t>Technical and Business Strategy to Combat The Problem in Medicare Claims</a:t>
-            </a:r>
-          </a:p>
-          <a:p>
+              <a:t>Strategic Initiative to Combat Fraud in Medicare Claims Using AI-based Application</a:t>
+            </a:r>
             <a:r>
               <a:rPr lang="en-US" b="0" i="0" dirty="0">
                 <a:solidFill>
@@ -5805,6 +5806,15 @@
               </a:rPr>
               <a:t> </a:t>
             </a:r>
+          </a:p>
+          <a:p>
+            <a:endParaRPr lang="en-US" b="0" i="0" dirty="0">
+              <a:solidFill>
+                <a:srgbClr val="000000"/>
+              </a:solidFill>
+              <a:effectLst/>
+              <a:latin typeface="+mj-lt"/>
+            </a:endParaRPr>
           </a:p>
           <a:p>
             <a:r>
@@ -5887,7 +5897,7 @@
         </p:spPr>
         <p:txBody>
           <a:bodyPr>
-            <a:normAutofit/>
+            <a:normAutofit fontScale="92500" lnSpcReduction="10000"/>
           </a:bodyPr>
           <a:lstStyle/>
           <a:p>
@@ -5902,7 +5912,7 @@
                 <a:effectLst/>
                 <a:latin typeface="+mj-lt"/>
               </a:rPr>
-              <a:t>Generating Business Value From The Application</a:t>
+              <a:t>Strategy / Generating Business Value </a:t>
             </a:r>
           </a:p>
           <a:p>
@@ -6052,12 +6062,6 @@
               </a:rPr>
               <a:t>Collect and generate accurate data that can be applied to enhance detection capabilities with better accuracy</a:t>
             </a:r>
-          </a:p>
-          <a:p>
-            <a:pPr lvl="1">
-              <a:buFont typeface="+mj-lt"/>
-              <a:buAutoNum type="arabicPeriod"/>
-            </a:pPr>
             <a:endParaRPr lang="en-US" sz="2600" dirty="0">
               <a:solidFill>
                 <a:srgbClr val="000000"/>
@@ -6085,6 +6089,48 @@
               </a:rPr>
               <a:t>HG is positioned to gain a competitive advantage being a first-mover and industry leader in the sector. In addition, XHG provides data warehouse/Lake services to other carriers in the industry.</a:t>
             </a:r>
+          </a:p>
+          <a:p>
+            <a:r>
+              <a:rPr lang="en-US" sz="2600" dirty="0">
+                <a:solidFill>
+                  <a:srgbClr val="000000"/>
+                </a:solidFill>
+                <a:latin typeface="+mj-lt"/>
+              </a:rPr>
+              <a:t>This application will use supervised  Machine Learning technology to classify and detect fraudulent clams using data that was collected in history from the existing system.</a:t>
+            </a:r>
+            <a:endParaRPr lang="en-US" sz="2600" b="0" i="0" dirty="0">
+              <a:solidFill>
+                <a:srgbClr val="000000"/>
+              </a:solidFill>
+              <a:effectLst/>
+              <a:latin typeface="+mj-lt"/>
+            </a:endParaRPr>
+          </a:p>
+          <a:p>
+            <a:r>
+              <a:rPr lang="en-US" sz="2600" b="0" i="0" dirty="0">
+                <a:solidFill>
+                  <a:srgbClr val="000000"/>
+                </a:solidFill>
+                <a:effectLst/>
+                <a:latin typeface="+mj-lt"/>
+              </a:rPr>
+              <a:t>All application objects will be developed using internal product and engineering teams.</a:t>
+            </a:r>
+          </a:p>
+          <a:p>
+            <a:pPr marL="0" indent="0">
+              <a:buNone/>
+            </a:pPr>
+            <a:endParaRPr lang="en-US" sz="2600" b="0" i="0" dirty="0">
+              <a:solidFill>
+                <a:srgbClr val="000000"/>
+              </a:solidFill>
+              <a:effectLst/>
+              <a:latin typeface="+mj-lt"/>
+            </a:endParaRPr>
           </a:p>
           <a:p>
             <a:endParaRPr lang="en-US" sz="2600" b="0" i="0" dirty="0">
@@ -6537,7 +6583,7 @@
                   <a:srgbClr val="0000FF"/>
                 </a:solidFill>
               </a:rPr>
-              <a:t>Metrics – What To Measure</a:t>
+              <a:t>Metrics To Evaluate The Success of The Application </a:t>
             </a:r>
           </a:p>
           <a:p>
@@ -6828,7 +6874,7 @@
                   <a:srgbClr val="0000FF"/>
                 </a:solidFill>
               </a:rPr>
-              <a:t>Metrics – What to Measure</a:t>
+              <a:t>Metrics To Evaluate The Success of The Application </a:t>
             </a:r>
           </a:p>
           <a:p>
@@ -7533,7 +7579,7 @@
                   <a:srgbClr val="0000FF"/>
                 </a:solidFill>
               </a:rPr>
-              <a:t>Technology &amp; Technique for AI-based Claims Fraud Detection Application</a:t>
+              <a:t>Technology / Technique and Data Needs</a:t>
             </a:r>
           </a:p>
           <a:p>
